--- a/Understanding.pptx
+++ b/Understanding.pptx
@@ -3356,8 +3356,8 @@
         </p:nvSpPr>
         <p:spPr>
           <a:xfrm>
-            <a:off x="126749" y="172016"/>
-            <a:ext cx="11669916" cy="3693319"/>
+            <a:off x="261042" y="248216"/>
+            <a:ext cx="11669916" cy="5632311"/>
           </a:xfrm>
           <a:prstGeom prst="rect">
             <a:avLst/>
@@ -3376,16 +3376,57 @@
             </a:r>
           </a:p>
           <a:p>
-            <a:endParaRPr lang="en-US" dirty="0"/>
-          </a:p>
-          <a:p>
             <a:r>
               <a:rPr lang="en-US" dirty="0"/>
               <a:t>What can go wrong here in this approach?</a:t>
             </a:r>
           </a:p>
           <a:p>
-            <a:endParaRPr lang="en-US"/>
+            <a:r>
+              <a:rPr lang="en-US" dirty="0"/>
+              <a:t>So practically the scenario like</a:t>
+            </a:r>
+          </a:p>
+          <a:p>
+            <a:pPr marL="342900" indent="-342900">
+              <a:buFont typeface="+mj-lt"/>
+              <a:buAutoNum type="arabicPeriod"/>
+            </a:pPr>
+            <a:r>
+              <a:rPr lang="en-US" dirty="0"/>
+              <a:t>Returning pointer or reference to the protected data</a:t>
+            </a:r>
+          </a:p>
+          <a:p>
+            <a:pPr marL="342900" indent="-342900">
+              <a:buFont typeface="+mj-lt"/>
+              <a:buAutoNum type="arabicPeriod"/>
+            </a:pPr>
+            <a:r>
+              <a:rPr lang="en-US" dirty="0"/>
+              <a:t>Passing code to the protected data structure which you don’t have control with.</a:t>
+            </a:r>
+          </a:p>
+          <a:p>
+            <a:endParaRPr lang="en-US" dirty="0"/>
+          </a:p>
+          <a:p>
+            <a:r>
+              <a:rPr lang="en-US" dirty="0"/>
+              <a:t>Let’s write some example below,</a:t>
+            </a:r>
+          </a:p>
+          <a:p>
+            <a:endParaRPr lang="en-US" dirty="0"/>
+          </a:p>
+          <a:p>
+            <a:endParaRPr lang="en-US" dirty="0"/>
+          </a:p>
+          <a:p>
+            <a:endParaRPr lang="en-US" dirty="0"/>
+          </a:p>
+          <a:p>
+            <a:endParaRPr lang="en-US" dirty="0"/>
           </a:p>
           <a:p>
             <a:endParaRPr lang="en-US" dirty="0"/>
